--- a/slides/graphs-BFS-live.pptx
+++ b/slides/graphs-BFS-live.pptx
@@ -4845,8 +4845,8 @@
           </a:p>
         </p:txBody>
       </p:sp>
-      <mc:AlternateContent xmlns:mc="http://schemas.openxmlformats.org/markup-compatibility/2006">
-        <mc:Choice xmlns:a14="http://schemas.microsoft.com/office/drawing/2010/main" Requires="a14">
+      <mc:AlternateContent xmlns:mc="http://schemas.openxmlformats.org/markup-compatibility/2006" xmlns:a14="http://schemas.microsoft.com/office/drawing/2010/main">
+        <mc:Choice Requires="a14">
           <p:sp>
             <p:nvSpPr>
               <p:cNvPr id="40963" name="Rectangle 3"/>
@@ -5117,7 +5117,7 @@
             </p:txBody>
           </p:sp>
         </mc:Choice>
-        <mc:Fallback>
+        <mc:Fallback xmlns="">
           <p:sp>
             <p:nvSpPr>
               <p:cNvPr id="40963" name="Rectangle 3"/>
@@ -5127,7 +5127,7 @@
               <p:nvPr>
                 <p:ph sz="quarter" idx="1"/>
                 <p:custDataLst>
-                  <p:tags r:id="rId2"/>
+                  <p:tags r:id="rId4"/>
                 </p:custDataLst>
               </p:nvPr>
             </p:nvSpPr>
@@ -5137,7 +5137,7 @@
                 <a:ext cx="11277600" cy="4937760"/>
               </a:xfrm>
               <a:blipFill>
-                <a:blip r:embed="rId4"/>
+                <a:blip r:embed="rId5"/>
                 <a:stretch>
                   <a:fillRect l="-900" r="-900"/>
                 </a:stretch>
@@ -5269,8 +5269,8 @@
           </a:p>
         </p:txBody>
       </p:sp>
-      <mc:AlternateContent xmlns:mc="http://schemas.openxmlformats.org/markup-compatibility/2006">
-        <mc:Choice xmlns:a14="http://schemas.microsoft.com/office/drawing/2010/main" Requires="a14">
+      <mc:AlternateContent xmlns:mc="http://schemas.openxmlformats.org/markup-compatibility/2006" xmlns:a14="http://schemas.microsoft.com/office/drawing/2010/main">
+        <mc:Choice Requires="a14">
           <p:sp>
             <p:nvSpPr>
               <p:cNvPr id="40963" name="Rectangle 3"/>
@@ -5636,7 +5636,7 @@
             </p:txBody>
           </p:sp>
         </mc:Choice>
-        <mc:Fallback>
+        <mc:Fallback xmlns="">
           <p:sp>
             <p:nvSpPr>
               <p:cNvPr id="40963" name="Rectangle 3"/>
@@ -5646,7 +5646,7 @@
               <p:nvPr>
                 <p:ph sz="quarter" idx="1"/>
                 <p:custDataLst>
-                  <p:tags r:id="rId2"/>
+                  <p:tags r:id="rId4"/>
                 </p:custDataLst>
               </p:nvPr>
             </p:nvSpPr>
@@ -5656,7 +5656,7 @@
                 <a:ext cx="11277600" cy="4937760"/>
               </a:xfrm>
               <a:blipFill>
-                <a:blip r:embed="rId4"/>
+                <a:blip r:embed="rId5"/>
                 <a:stretch>
                   <a:fillRect l="-900"/>
                 </a:stretch>
@@ -5788,8 +5788,8 @@
           </a:p>
         </p:txBody>
       </p:sp>
-      <mc:AlternateContent xmlns:mc="http://schemas.openxmlformats.org/markup-compatibility/2006">
-        <mc:Choice xmlns:a14="http://schemas.microsoft.com/office/drawing/2010/main" Requires="a14">
+      <mc:AlternateContent xmlns:mc="http://schemas.openxmlformats.org/markup-compatibility/2006" xmlns:a14="http://schemas.microsoft.com/office/drawing/2010/main">
+        <mc:Choice Requires="a14">
           <p:sp>
             <p:nvSpPr>
               <p:cNvPr id="40963" name="Rectangle 3"/>
@@ -6277,7 +6277,7 @@
             </p:txBody>
           </p:sp>
         </mc:Choice>
-        <mc:Fallback>
+        <mc:Fallback xmlns="">
           <p:sp>
             <p:nvSpPr>
               <p:cNvPr id="40963" name="Rectangle 3"/>
@@ -6287,7 +6287,7 @@
               <p:nvPr>
                 <p:ph sz="quarter" idx="1"/>
                 <p:custDataLst>
-                  <p:tags r:id="rId2"/>
+                  <p:tags r:id="rId4"/>
                 </p:custDataLst>
               </p:nvPr>
             </p:nvSpPr>
@@ -6297,7 +6297,7 @@
                 <a:ext cx="11277600" cy="4937760"/>
               </a:xfrm>
               <a:blipFill>
-                <a:blip r:embed="rId4"/>
+                <a:blip r:embed="rId5"/>
                 <a:stretch>
                   <a:fillRect l="-900"/>
                 </a:stretch>
@@ -6429,8 +6429,8 @@
           </a:p>
         </p:txBody>
       </p:sp>
-      <mc:AlternateContent xmlns:mc="http://schemas.openxmlformats.org/markup-compatibility/2006">
-        <mc:Choice xmlns:a14="http://schemas.microsoft.com/office/drawing/2010/main" Requires="a14">
+      <mc:AlternateContent xmlns:mc="http://schemas.openxmlformats.org/markup-compatibility/2006" xmlns:a14="http://schemas.microsoft.com/office/drawing/2010/main">
+        <mc:Choice Requires="a14">
           <p:sp>
             <p:nvSpPr>
               <p:cNvPr id="40963" name="Rectangle 3"/>
@@ -6829,7 +6829,7 @@
             </p:txBody>
           </p:sp>
         </mc:Choice>
-        <mc:Fallback>
+        <mc:Fallback xmlns="">
           <p:sp>
             <p:nvSpPr>
               <p:cNvPr id="40963" name="Rectangle 3"/>
@@ -6839,7 +6839,7 @@
               <p:nvPr>
                 <p:ph sz="quarter" idx="1"/>
                 <p:custDataLst>
-                  <p:tags r:id="rId2"/>
+                  <p:tags r:id="rId4"/>
                 </p:custDataLst>
               </p:nvPr>
             </p:nvSpPr>
@@ -6849,7 +6849,7 @@
                 <a:ext cx="11277600" cy="4937760"/>
               </a:xfrm>
               <a:blipFill>
-                <a:blip r:embed="rId4"/>
+                <a:blip r:embed="rId5"/>
                 <a:stretch>
                   <a:fillRect l="-900"/>
                 </a:stretch>
@@ -6981,8 +6981,8 @@
           </a:p>
         </p:txBody>
       </p:sp>
-      <mc:AlternateContent xmlns:mc="http://schemas.openxmlformats.org/markup-compatibility/2006">
-        <mc:Choice xmlns:a14="http://schemas.microsoft.com/office/drawing/2010/main" Requires="a14">
+      <mc:AlternateContent xmlns:mc="http://schemas.openxmlformats.org/markup-compatibility/2006" xmlns:a14="http://schemas.microsoft.com/office/drawing/2010/main">
+        <mc:Choice Requires="a14">
           <p:sp>
             <p:nvSpPr>
               <p:cNvPr id="40963" name="Rectangle 3"/>
@@ -7326,7 +7326,7 @@
             </p:txBody>
           </p:sp>
         </mc:Choice>
-        <mc:Fallback>
+        <mc:Fallback xmlns="">
           <p:sp>
             <p:nvSpPr>
               <p:cNvPr id="40963" name="Rectangle 3"/>
@@ -7336,7 +7336,7 @@
               <p:nvPr>
                 <p:ph sz="quarter" idx="1"/>
                 <p:custDataLst>
-                  <p:tags r:id="rId2"/>
+                  <p:tags r:id="rId4"/>
                 </p:custDataLst>
               </p:nvPr>
             </p:nvSpPr>
@@ -7346,7 +7346,7 @@
                 <a:ext cx="11277600" cy="4937760"/>
               </a:xfrm>
               <a:blipFill>
-                <a:blip r:embed="rId4"/>
+                <a:blip r:embed="rId5"/>
                 <a:stretch>
                   <a:fillRect l="-900" t="-1795"/>
                 </a:stretch>
@@ -7734,8 +7734,8 @@
           </a:p>
         </p:txBody>
       </p:sp>
-      <mc:AlternateContent xmlns:mc="http://schemas.openxmlformats.org/markup-compatibility/2006">
-        <mc:Choice xmlns:a14="http://schemas.microsoft.com/office/drawing/2010/main" Requires="a14">
+      <mc:AlternateContent xmlns:mc="http://schemas.openxmlformats.org/markup-compatibility/2006" xmlns:a14="http://schemas.microsoft.com/office/drawing/2010/main">
+        <mc:Choice Requires="a14">
           <p:sp>
             <p:nvSpPr>
               <p:cNvPr id="40963" name="Rectangle 3"/>
@@ -7962,7 +7962,7 @@
             </p:txBody>
           </p:sp>
         </mc:Choice>
-        <mc:Fallback>
+        <mc:Fallback xmlns="">
           <p:sp>
             <p:nvSpPr>
               <p:cNvPr id="40963" name="Rectangle 3"/>
@@ -7972,13 +7972,13 @@
               <p:nvPr>
                 <p:ph sz="quarter" idx="1"/>
                 <p:custDataLst>
-                  <p:tags r:id="rId2"/>
+                  <p:tags r:id="rId4"/>
                 </p:custDataLst>
               </p:nvPr>
             </p:nvSpPr>
             <p:spPr>
               <a:blipFill>
-                <a:blip r:embed="rId4"/>
+                <a:blip r:embed="rId5"/>
                 <a:stretch>
                   <a:fillRect l="-1042" r="-926"/>
                 </a:stretch>
@@ -8110,8 +8110,8 @@
           </a:p>
         </p:txBody>
       </p:sp>
-      <mc:AlternateContent xmlns:mc="http://schemas.openxmlformats.org/markup-compatibility/2006">
-        <mc:Choice xmlns:a14="http://schemas.microsoft.com/office/drawing/2010/main" Requires="a14">
+      <mc:AlternateContent xmlns:mc="http://schemas.openxmlformats.org/markup-compatibility/2006" xmlns:a14="http://schemas.microsoft.com/office/drawing/2010/main">
+        <mc:Choice Requires="a14">
           <p:sp>
             <p:nvSpPr>
               <p:cNvPr id="40963" name="Rectangle 3"/>
@@ -8437,7 +8437,7 @@
             </p:txBody>
           </p:sp>
         </mc:Choice>
-        <mc:Fallback>
+        <mc:Fallback xmlns="">
           <p:sp>
             <p:nvSpPr>
               <p:cNvPr id="40963" name="Rectangle 3"/>
@@ -8447,13 +8447,13 @@
               <p:nvPr>
                 <p:ph sz="quarter" idx="1"/>
                 <p:custDataLst>
-                  <p:tags r:id="rId2"/>
+                  <p:tags r:id="rId4"/>
                 </p:custDataLst>
               </p:nvPr>
             </p:nvSpPr>
             <p:spPr>
               <a:blipFill>
-                <a:blip r:embed="rId4"/>
+                <a:blip r:embed="rId5"/>
                 <a:stretch>
                   <a:fillRect l="-1042" r="-926"/>
                 </a:stretch>
@@ -9054,8 +9054,8 @@
           </a:p>
         </p:txBody>
       </p:sp>
-      <mc:AlternateContent xmlns:mc="http://schemas.openxmlformats.org/markup-compatibility/2006">
-        <mc:Choice xmlns:a14="http://schemas.microsoft.com/office/drawing/2010/main" Requires="a14">
+      <mc:AlternateContent xmlns:mc="http://schemas.openxmlformats.org/markup-compatibility/2006" xmlns:a14="http://schemas.microsoft.com/office/drawing/2010/main">
+        <mc:Choice Requires="a14">
           <p:sp>
             <p:nvSpPr>
               <p:cNvPr id="40963" name="Rectangle 3"/>
@@ -9238,7 +9238,7 @@
             </p:txBody>
           </p:sp>
         </mc:Choice>
-        <mc:Fallback>
+        <mc:Fallback xmlns="">
           <p:sp>
             <p:nvSpPr>
               <p:cNvPr id="40963" name="Rectangle 3"/>
@@ -9248,7 +9248,7 @@
               <p:nvPr>
                 <p:ph sz="quarter" idx="1"/>
                 <p:custDataLst>
-                  <p:tags r:id="rId2"/>
+                  <p:tags r:id="rId4"/>
                 </p:custDataLst>
               </p:nvPr>
             </p:nvSpPr>
@@ -9258,7 +9258,7 @@
                 <a:ext cx="11277600" cy="4937760"/>
               </a:xfrm>
               <a:blipFill>
-                <a:blip r:embed="rId4"/>
+                <a:blip r:embed="rId5"/>
                 <a:stretch>
                   <a:fillRect l="-450" t="-1795" r="-675"/>
                 </a:stretch>
@@ -9791,7 +9791,7 @@
         <p:spPr>
           <a:xfrm>
             <a:off x="8382000" y="4234933"/>
-            <a:ext cx="1763624" cy="830997"/>
+            <a:ext cx="2364750" cy="830997"/>
           </a:xfrm>
           <a:prstGeom prst="rect">
             <a:avLst/>
@@ -9806,13 +9806,13 @@
           <a:p>
             <a:r>
               <a:rPr lang="en-US" dirty="0"/>
-              <a:t>By inductive</a:t>
+              <a:t>By how we chose</a:t>
             </a:r>
           </a:p>
           <a:p>
             <a:r>
               <a:rPr lang="en-US" dirty="0"/>
-              <a:t>hypothesis</a:t>
+              <a:t>v</a:t>
             </a:r>
           </a:p>
         </p:txBody>
@@ -9876,8 +9876,8 @@
         </p:nvCxnSpPr>
         <p:spPr>
           <a:xfrm flipH="1" flipV="1">
-            <a:off x="7924800" y="2667000"/>
-            <a:ext cx="1339012" cy="1567933"/>
+            <a:off x="7924803" y="2667001"/>
+            <a:ext cx="1639572" cy="1567932"/>
           </a:xfrm>
           <a:prstGeom prst="straightConnector1">
             <a:avLst/>
@@ -9938,7 +9938,7 @@
 </p:tagLst>
 </file>
 
-<file path=ppt/tags/tag14.xml><?xml version="1.0" encoding="utf-8"?>
+<file path=ppt/tags/tag13.xml><?xml version="1.0" encoding="utf-8"?>
 <p:tagLst xmlns:a="http://schemas.openxmlformats.org/drawingml/2006/main" xmlns:r="http://schemas.openxmlformats.org/officeDocument/2006/relationships" xmlns:p="http://schemas.openxmlformats.org/presentationml/2006/main">
   <p:tag name="_INSTRUCTOR VIEW19C14C36-AC8E-43BC-9DB6-C2AAF774C7DC|PANE__TAG" val="_"/>
 </p:tagLst>
@@ -9956,13 +9956,13 @@
 </p:tagLst>
 </file>
 
-<file path=ppt/tags/tag18.xml><?xml version="1.0" encoding="utf-8"?>
+<file path=ppt/tags/tag17.xml><?xml version="1.0" encoding="utf-8"?>
 <p:tagLst xmlns:a="http://schemas.openxmlformats.org/drawingml/2006/main" xmlns:r="http://schemas.openxmlformats.org/officeDocument/2006/relationships" xmlns:p="http://schemas.openxmlformats.org/presentationml/2006/main">
   <p:tag name="_INSTRUCTOR VIEW19C14C36-AC8E-43BC-9DB6-C2AAF774C7DC|PANE__TAG" val="_"/>
 </p:tagLst>
 </file>
 
-<file path=ppt/tags/tag19.xml><?xml version="1.0" encoding="utf-8"?>
+<file path=ppt/tags/tag18.xml><?xml version="1.0" encoding="utf-8"?>
 <p:tagLst xmlns:a="http://schemas.openxmlformats.org/drawingml/2006/main" xmlns:r="http://schemas.openxmlformats.org/officeDocument/2006/relationships" xmlns:p="http://schemas.openxmlformats.org/presentationml/2006/main">
   <p:tag name="_INSTRUCTOR VIEW19C14C36-AC8E-43BC-9DB6-C2AAF774C7DC|PANE__TAG" val="_"/>
 </p:tagLst>
